--- a/public/files/Librecat-Catmandu.pptx
+++ b/public/files/Librecat-Catmandu.pptx
@@ -111,6 +111,11 @@
       </a:defRPr>
     </a:lvl9pPr>
   </p:defaultTextStyle>
+  <p:extLst>
+    <p:ext uri="{EFAFB233-063F-42B5-8137-9DF3F51BA10A}">
+      <p15:sldGuideLst xmlns:p15="http://schemas.microsoft.com/office/powerpoint/2012/main"/>
+    </p:ext>
+  </p:extLst>
 </p:presentation>
 </file>
 
@@ -261,7 +266,7 @@
           <a:p>
             <a:fld id="{6884F6DD-5037-4912-A92B-EAC16E49774A}" type="datetimeFigureOut">
               <a:rPr lang="pt-BR" smtClean="0"/>
-              <a:t>26/01/2023</a:t>
+              <a:t>27/01/2023</a:t>
             </a:fld>
             <a:endParaRPr lang="pt-BR"/>
           </a:p>
@@ -459,7 +464,7 @@
           <a:p>
             <a:fld id="{6884F6DD-5037-4912-A92B-EAC16E49774A}" type="datetimeFigureOut">
               <a:rPr lang="pt-BR" smtClean="0"/>
-              <a:t>26/01/2023</a:t>
+              <a:t>27/01/2023</a:t>
             </a:fld>
             <a:endParaRPr lang="pt-BR"/>
           </a:p>
@@ -667,7 +672,7 @@
           <a:p>
             <a:fld id="{6884F6DD-5037-4912-A92B-EAC16E49774A}" type="datetimeFigureOut">
               <a:rPr lang="pt-BR" smtClean="0"/>
-              <a:t>26/01/2023</a:t>
+              <a:t>27/01/2023</a:t>
             </a:fld>
             <a:endParaRPr lang="pt-BR"/>
           </a:p>
@@ -865,7 +870,7 @@
           <a:p>
             <a:fld id="{6884F6DD-5037-4912-A92B-EAC16E49774A}" type="datetimeFigureOut">
               <a:rPr lang="pt-BR" smtClean="0"/>
-              <a:t>26/01/2023</a:t>
+              <a:t>27/01/2023</a:t>
             </a:fld>
             <a:endParaRPr lang="pt-BR"/>
           </a:p>
@@ -1140,7 +1145,7 @@
           <a:p>
             <a:fld id="{6884F6DD-5037-4912-A92B-EAC16E49774A}" type="datetimeFigureOut">
               <a:rPr lang="pt-BR" smtClean="0"/>
-              <a:t>26/01/2023</a:t>
+              <a:t>27/01/2023</a:t>
             </a:fld>
             <a:endParaRPr lang="pt-BR"/>
           </a:p>
@@ -1405,7 +1410,7 @@
           <a:p>
             <a:fld id="{6884F6DD-5037-4912-A92B-EAC16E49774A}" type="datetimeFigureOut">
               <a:rPr lang="pt-BR" smtClean="0"/>
-              <a:t>26/01/2023</a:t>
+              <a:t>27/01/2023</a:t>
             </a:fld>
             <a:endParaRPr lang="pt-BR"/>
           </a:p>
@@ -1817,7 +1822,7 @@
           <a:p>
             <a:fld id="{6884F6DD-5037-4912-A92B-EAC16E49774A}" type="datetimeFigureOut">
               <a:rPr lang="pt-BR" smtClean="0"/>
-              <a:t>26/01/2023</a:t>
+              <a:t>27/01/2023</a:t>
             </a:fld>
             <a:endParaRPr lang="pt-BR"/>
           </a:p>
@@ -1958,7 +1963,7 @@
           <a:p>
             <a:fld id="{6884F6DD-5037-4912-A92B-EAC16E49774A}" type="datetimeFigureOut">
               <a:rPr lang="pt-BR" smtClean="0"/>
-              <a:t>26/01/2023</a:t>
+              <a:t>27/01/2023</a:t>
             </a:fld>
             <a:endParaRPr lang="pt-BR"/>
           </a:p>
@@ -2071,7 +2076,7 @@
           <a:p>
             <a:fld id="{6884F6DD-5037-4912-A92B-EAC16E49774A}" type="datetimeFigureOut">
               <a:rPr lang="pt-BR" smtClean="0"/>
-              <a:t>26/01/2023</a:t>
+              <a:t>27/01/2023</a:t>
             </a:fld>
             <a:endParaRPr lang="pt-BR"/>
           </a:p>
@@ -2382,7 +2387,7 @@
           <a:p>
             <a:fld id="{6884F6DD-5037-4912-A92B-EAC16E49774A}" type="datetimeFigureOut">
               <a:rPr lang="pt-BR" smtClean="0"/>
-              <a:t>26/01/2023</a:t>
+              <a:t>27/01/2023</a:t>
             </a:fld>
             <a:endParaRPr lang="pt-BR"/>
           </a:p>
@@ -2670,7 +2675,7 @@
           <a:p>
             <a:fld id="{6884F6DD-5037-4912-A92B-EAC16E49774A}" type="datetimeFigureOut">
               <a:rPr lang="pt-BR" smtClean="0"/>
-              <a:t>26/01/2023</a:t>
+              <a:t>27/01/2023</a:t>
             </a:fld>
             <a:endParaRPr lang="pt-BR"/>
           </a:p>
@@ -2920,7 +2925,7 @@
           <a:p>
             <a:fld id="{6884F6DD-5037-4912-A92B-EAC16E49774A}" type="datetimeFigureOut">
               <a:rPr lang="pt-BR" smtClean="0"/>
-              <a:t>26/01/2023</a:t>
+              <a:t>27/01/2023</a:t>
             </a:fld>
             <a:endParaRPr lang="pt-BR"/>
           </a:p>
@@ -3361,7 +3366,7 @@
         </p:spPr>
         <p:txBody>
           <a:bodyPr>
-            <a:normAutofit/>
+            <a:normAutofit lnSpcReduction="10000"/>
           </a:bodyPr>
           <a:lstStyle/>
           <a:p>
@@ -3497,7 +3502,20 @@
                   </a:schemeClr>
                 </a:solidFill>
               </a:rPr>
-              <a:t>Tiago Rodrigo Marçal Murakami </a:t>
+              <a:t>Tiago Rodrigo Marçal Murakami</a:t>
+            </a:r>
+          </a:p>
+          <a:p>
+            <a:r>
+              <a:rPr lang="pt-BR" sz="1800" dirty="0">
+                <a:solidFill>
+                  <a:schemeClr val="tx1">
+                    <a:lumMod val="65000"/>
+                    <a:lumOff val="35000"/>
+                  </a:schemeClr>
+                </a:solidFill>
+              </a:rPr>
+              <a:t>Janeiro de 2023 </a:t>
             </a:r>
           </a:p>
         </p:txBody>
